--- a/files/L1/Intro to Computer Science.pptx
+++ b/files/L1/Intro to Computer Science.pptx
@@ -6,13 +6,14 @@
   </p:sldMasterIdLst>
   <p:sldIdLst>
     <p:sldId id="256" r:id="rId2"/>
-    <p:sldId id="257" r:id="rId3"/>
-    <p:sldId id="258" r:id="rId4"/>
-    <p:sldId id="259" r:id="rId5"/>
-    <p:sldId id="260" r:id="rId6"/>
-    <p:sldId id="261" r:id="rId7"/>
-    <p:sldId id="262" r:id="rId8"/>
-    <p:sldId id="264" r:id="rId9"/>
+    <p:sldId id="265" r:id="rId3"/>
+    <p:sldId id="257" r:id="rId4"/>
+    <p:sldId id="258" r:id="rId5"/>
+    <p:sldId id="259" r:id="rId6"/>
+    <p:sldId id="260" r:id="rId7"/>
+    <p:sldId id="261" r:id="rId8"/>
+    <p:sldId id="262" r:id="rId9"/>
+    <p:sldId id="264" r:id="rId10"/>
   </p:sldIdLst>
   <p:sldSz cx="12192000" cy="6858000"/>
   <p:notesSz cx="6858000" cy="9144000"/>
@@ -111,6 +112,11 @@
       </a:defRPr>
     </a:lvl9pPr>
   </p:defaultTextStyle>
+  <p:extLst>
+    <p:ext uri="{EFAFB233-063F-42B5-8137-9DF3F51BA10A}">
+      <p15:sldGuideLst xmlns:p15="http://schemas.microsoft.com/office/powerpoint/2012/main"/>
+    </p:ext>
+  </p:extLst>
 </p:presentation>
 </file>
 
@@ -620,7 +626,7 @@
           <a:p>
             <a:fld id="{D0B192DC-7697-4B00-A901-866BE48D2F28}" type="datetimeFigureOut">
               <a:rPr lang="en-US" smtClean="0"/>
-              <a:t>7/9/2017</a:t>
+              <a:t>7/10/2017</a:t>
             </a:fld>
             <a:endParaRPr lang="en-US"/>
           </a:p>
@@ -916,7 +922,7 @@
           <a:p>
             <a:fld id="{D0B192DC-7697-4B00-A901-866BE48D2F28}" type="datetimeFigureOut">
               <a:rPr lang="en-US" smtClean="0"/>
-              <a:t>7/9/2017</a:t>
+              <a:t>7/10/2017</a:t>
             </a:fld>
             <a:endParaRPr lang="en-US"/>
           </a:p>
@@ -1164,7 +1170,7 @@
           <a:p>
             <a:fld id="{D0B192DC-7697-4B00-A901-866BE48D2F28}" type="datetimeFigureOut">
               <a:rPr lang="en-US" smtClean="0"/>
-              <a:t>7/9/2017</a:t>
+              <a:t>7/10/2017</a:t>
             </a:fld>
             <a:endParaRPr lang="en-US"/>
           </a:p>
@@ -1704,7 +1710,7 @@
           <a:p>
             <a:fld id="{D0B192DC-7697-4B00-A901-866BE48D2F28}" type="datetimeFigureOut">
               <a:rPr lang="en-US" smtClean="0"/>
-              <a:t>7/9/2017</a:t>
+              <a:t>7/10/2017</a:t>
             </a:fld>
             <a:endParaRPr lang="en-US"/>
           </a:p>
@@ -1952,7 +1958,7 @@
           <a:p>
             <a:fld id="{D0B192DC-7697-4B00-A901-866BE48D2F28}" type="datetimeFigureOut">
               <a:rPr lang="en-US" smtClean="0"/>
-              <a:t>7/9/2017</a:t>
+              <a:t>7/10/2017</a:t>
             </a:fld>
             <a:endParaRPr lang="en-US"/>
           </a:p>
@@ -2484,7 +2490,7 @@
           <a:p>
             <a:fld id="{D0B192DC-7697-4B00-A901-866BE48D2F28}" type="datetimeFigureOut">
               <a:rPr lang="en-US" smtClean="0"/>
-              <a:t>7/9/2017</a:t>
+              <a:t>7/10/2017</a:t>
             </a:fld>
             <a:endParaRPr lang="en-US"/>
           </a:p>
@@ -2781,7 +2787,7 @@
           <a:p>
             <a:fld id="{D0B192DC-7697-4B00-A901-866BE48D2F28}" type="datetimeFigureOut">
               <a:rPr lang="en-US" smtClean="0"/>
-              <a:t>7/9/2017</a:t>
+              <a:t>7/10/2017</a:t>
             </a:fld>
             <a:endParaRPr lang="en-US"/>
           </a:p>
@@ -2955,7 +2961,7 @@
           <a:p>
             <a:fld id="{D0B192DC-7697-4B00-A901-866BE48D2F28}" type="datetimeFigureOut">
               <a:rPr lang="en-US" smtClean="0"/>
-              <a:t>7/9/2017</a:t>
+              <a:t>7/10/2017</a:t>
             </a:fld>
             <a:endParaRPr lang="en-US"/>
           </a:p>
@@ -3135,7 +3141,7 @@
           <a:p>
             <a:fld id="{D0B192DC-7697-4B00-A901-866BE48D2F28}" type="datetimeFigureOut">
               <a:rPr lang="en-US" smtClean="0"/>
-              <a:t>7/9/2017</a:t>
+              <a:t>7/10/2017</a:t>
             </a:fld>
             <a:endParaRPr lang="en-US"/>
           </a:p>
@@ -3305,7 +3311,7 @@
           <a:p>
             <a:fld id="{D0B192DC-7697-4B00-A901-866BE48D2F28}" type="datetimeFigureOut">
               <a:rPr lang="en-US" smtClean="0"/>
-              <a:t>7/9/2017</a:t>
+              <a:t>7/10/2017</a:t>
             </a:fld>
             <a:endParaRPr lang="en-US"/>
           </a:p>
@@ -3556,7 +3562,7 @@
           <a:p>
             <a:fld id="{D0B192DC-7697-4B00-A901-866BE48D2F28}" type="datetimeFigureOut">
               <a:rPr lang="en-US" smtClean="0"/>
-              <a:t>7/9/2017</a:t>
+              <a:t>7/10/2017</a:t>
             </a:fld>
             <a:endParaRPr lang="en-US"/>
           </a:p>
@@ -3853,7 +3859,7 @@
           <a:p>
             <a:fld id="{D0B192DC-7697-4B00-A901-866BE48D2F28}" type="datetimeFigureOut">
               <a:rPr lang="en-US" smtClean="0"/>
-              <a:t>7/9/2017</a:t>
+              <a:t>7/10/2017</a:t>
             </a:fld>
             <a:endParaRPr lang="en-US"/>
           </a:p>
@@ -4295,7 +4301,7 @@
           <a:p>
             <a:fld id="{D0B192DC-7697-4B00-A901-866BE48D2F28}" type="datetimeFigureOut">
               <a:rPr lang="en-US" smtClean="0"/>
-              <a:t>7/9/2017</a:t>
+              <a:t>7/10/2017</a:t>
             </a:fld>
             <a:endParaRPr lang="en-US"/>
           </a:p>
@@ -4413,7 +4419,7 @@
           <a:p>
             <a:fld id="{D0B192DC-7697-4B00-A901-866BE48D2F28}" type="datetimeFigureOut">
               <a:rPr lang="en-US" smtClean="0"/>
-              <a:t>7/9/2017</a:t>
+              <a:t>7/10/2017</a:t>
             </a:fld>
             <a:endParaRPr lang="en-US"/>
           </a:p>
@@ -4508,7 +4514,7 @@
           <a:p>
             <a:fld id="{D0B192DC-7697-4B00-A901-866BE48D2F28}" type="datetimeFigureOut">
               <a:rPr lang="en-US" smtClean="0"/>
-              <a:t>7/9/2017</a:t>
+              <a:t>7/10/2017</a:t>
             </a:fld>
             <a:endParaRPr lang="en-US"/>
           </a:p>
@@ -4791,7 +4797,7 @@
           <a:p>
             <a:fld id="{D0B192DC-7697-4B00-A901-866BE48D2F28}" type="datetimeFigureOut">
               <a:rPr lang="en-US" smtClean="0"/>
-              <a:t>7/9/2017</a:t>
+              <a:t>7/10/2017</a:t>
             </a:fld>
             <a:endParaRPr lang="en-US"/>
           </a:p>
@@ -5082,7 +5088,7 @@
           <a:p>
             <a:fld id="{D0B192DC-7697-4B00-A901-866BE48D2F28}" type="datetimeFigureOut">
               <a:rPr lang="en-US" smtClean="0"/>
-              <a:t>7/9/2017</a:t>
+              <a:t>7/10/2017</a:t>
             </a:fld>
             <a:endParaRPr lang="en-US"/>
           </a:p>
@@ -5612,7 +5618,7 @@
           <a:p>
             <a:fld id="{D0B192DC-7697-4B00-A901-866BE48D2F28}" type="datetimeFigureOut">
               <a:rPr lang="en-US" smtClean="0"/>
-              <a:t>7/9/2017</a:t>
+              <a:t>7/10/2017</a:t>
             </a:fld>
             <a:endParaRPr lang="en-US"/>
           </a:p>
@@ -6242,6 +6248,95 @@
       </p:grpSpPr>
       <p:sp>
         <p:nvSpPr>
+          <p:cNvPr id="2" name="Title 1">
+            <a:extLst>
+              <a:ext uri="{FF2B5EF4-FFF2-40B4-BE49-F238E27FC236}">
+                <a16:creationId xmlns:a16="http://schemas.microsoft.com/office/drawing/2014/main" id="{4003242B-0FE0-4D75-B4FF-4294955C4877}"/>
+              </a:ext>
+            </a:extLst>
+          </p:cNvPr>
+          <p:cNvSpPr>
+            <a:spLocks noGrp="1"/>
+          </p:cNvSpPr>
+          <p:nvPr>
+            <p:ph type="title"/>
+          </p:nvPr>
+        </p:nvSpPr>
+        <p:spPr/>
+        <p:txBody>
+          <a:bodyPr/>
+          <a:lstStyle/>
+          <a:p>
+            <a:r>
+              <a:rPr lang="en-US" dirty="0"/>
+              <a:t>Course Notes</a:t>
+            </a:r>
+          </a:p>
+        </p:txBody>
+      </p:sp>
+      <p:sp>
+        <p:nvSpPr>
+          <p:cNvPr id="3" name="Content Placeholder 2">
+            <a:extLst>
+              <a:ext uri="{FF2B5EF4-FFF2-40B4-BE49-F238E27FC236}">
+                <a16:creationId xmlns:a16="http://schemas.microsoft.com/office/drawing/2014/main" id="{4061748D-D5DE-40DA-8040-2E053BCFF9EB}"/>
+              </a:ext>
+            </a:extLst>
+          </p:cNvPr>
+          <p:cNvSpPr>
+            <a:spLocks noGrp="1"/>
+          </p:cNvSpPr>
+          <p:nvPr>
+            <p:ph idx="1"/>
+          </p:nvPr>
+        </p:nvSpPr>
+        <p:spPr/>
+        <p:txBody>
+          <a:bodyPr/>
+          <a:lstStyle/>
+          <a:p>
+            <a:pPr marL="0" indent="0">
+              <a:buNone/>
+            </a:pPr>
+            <a:r>
+              <a:rPr lang="en-US" dirty="0"/>
+              <a:t>https://brandonpwood.github.io/Weston</a:t>
+            </a:r>
+          </a:p>
+        </p:txBody>
+      </p:sp>
+    </p:spTree>
+    <p:extLst>
+      <p:ext uri="{BB962C8B-B14F-4D97-AF65-F5344CB8AC3E}">
+        <p14:creationId xmlns:p14="http://schemas.microsoft.com/office/powerpoint/2010/main" val="138789838"/>
+      </p:ext>
+    </p:extLst>
+  </p:cSld>
+  <p:clrMapOvr>
+    <a:masterClrMapping/>
+  </p:clrMapOvr>
+</p:sld>
+</file>
+
+<file path=ppt/slides/slide3.xml><?xml version="1.0" encoding="utf-8"?>
+<p:sld xmlns:a="http://schemas.openxmlformats.org/drawingml/2006/main" xmlns:r="http://schemas.openxmlformats.org/officeDocument/2006/relationships" xmlns:p="http://schemas.openxmlformats.org/presentationml/2006/main">
+  <p:cSld>
+    <p:spTree>
+      <p:nvGrpSpPr>
+        <p:cNvPr id="1" name=""/>
+        <p:cNvGrpSpPr/>
+        <p:nvPr/>
+      </p:nvGrpSpPr>
+      <p:grpSpPr>
+        <a:xfrm>
+          <a:off x="0" y="0"/>
+          <a:ext cx="0" cy="0"/>
+          <a:chOff x="0" y="0"/>
+          <a:chExt cx="0" cy="0"/>
+        </a:xfrm>
+      </p:grpSpPr>
+      <p:sp>
+        <p:nvSpPr>
           <p:cNvPr id="28" name="Rectangle 10"/>
           <p:cNvSpPr>
             <a:spLocks noGrp="1" noRot="1" noChangeAspect="1" noMove="1" noResize="1" noEditPoints="1" noAdjustHandles="1" noChangeArrowheads="1" noChangeShapeType="1" noTextEdit="1"/>
@@ -6804,7 +6899,7 @@
 </p:sld>
 </file>
 
-<file path=ppt/slides/slide3.xml><?xml version="1.0" encoding="utf-8"?>
+<file path=ppt/slides/slide4.xml><?xml version="1.0" encoding="utf-8"?>
 <p:sld xmlns:a="http://schemas.openxmlformats.org/drawingml/2006/main" xmlns:r="http://schemas.openxmlformats.org/officeDocument/2006/relationships" xmlns:p="http://schemas.openxmlformats.org/presentationml/2006/main">
   <p:cSld>
     <p:spTree>
@@ -7068,7 +7163,7 @@
 </p:sld>
 </file>
 
-<file path=ppt/slides/slide4.xml><?xml version="1.0" encoding="utf-8"?>
+<file path=ppt/slides/slide5.xml><?xml version="1.0" encoding="utf-8"?>
 <p:sld xmlns:a="http://schemas.openxmlformats.org/drawingml/2006/main" xmlns:r="http://schemas.openxmlformats.org/officeDocument/2006/relationships" xmlns:p="http://schemas.openxmlformats.org/presentationml/2006/main">
   <p:cSld>
     <p:spTree>
@@ -7181,7 +7276,7 @@
 </p:sld>
 </file>
 
-<file path=ppt/slides/slide5.xml><?xml version="1.0" encoding="utf-8"?>
+<file path=ppt/slides/slide6.xml><?xml version="1.0" encoding="utf-8"?>
 <p:sld xmlns:a="http://schemas.openxmlformats.org/drawingml/2006/main" xmlns:r="http://schemas.openxmlformats.org/officeDocument/2006/relationships" xmlns:p="http://schemas.openxmlformats.org/presentationml/2006/main">
   <p:cSld>
     <p:spTree>
@@ -7523,179 +7618,6 @@
 </p:sld>
 </file>
 
-<file path=ppt/slides/slide6.xml><?xml version="1.0" encoding="utf-8"?>
-<p:sld xmlns:a="http://schemas.openxmlformats.org/drawingml/2006/main" xmlns:r="http://schemas.openxmlformats.org/officeDocument/2006/relationships" xmlns:p="http://schemas.openxmlformats.org/presentationml/2006/main">
-  <p:cSld>
-    <p:spTree>
-      <p:nvGrpSpPr>
-        <p:cNvPr id="1" name=""/>
-        <p:cNvGrpSpPr/>
-        <p:nvPr/>
-      </p:nvGrpSpPr>
-      <p:grpSpPr>
-        <a:xfrm>
-          <a:off x="0" y="0"/>
-          <a:ext cx="0" cy="0"/>
-          <a:chOff x="0" y="0"/>
-          <a:chExt cx="0" cy="0"/>
-        </a:xfrm>
-      </p:grpSpPr>
-      <p:sp>
-        <p:nvSpPr>
-          <p:cNvPr id="2" name="Title 1">
-            <a:extLst>
-              <a:ext uri="{FF2B5EF4-FFF2-40B4-BE49-F238E27FC236}">
-                <a16:creationId xmlns:a16="http://schemas.microsoft.com/office/drawing/2014/main" id="{6A5B8EFF-7136-46B9-8CC0-E9833C09F2D3}"/>
-              </a:ext>
-            </a:extLst>
-          </p:cNvPr>
-          <p:cNvSpPr>
-            <a:spLocks noGrp="1"/>
-          </p:cNvSpPr>
-          <p:nvPr>
-            <p:ph type="title"/>
-          </p:nvPr>
-        </p:nvSpPr>
-        <p:spPr>
-          <a:xfrm>
-            <a:off x="1484310" y="-291230"/>
-            <a:ext cx="10018713" cy="1752599"/>
-          </a:xfrm>
-        </p:spPr>
-        <p:txBody>
-          <a:bodyPr/>
-          <a:lstStyle/>
-          <a:p>
-            <a:r>
-              <a:rPr lang="en-US" dirty="0"/>
-              <a:t>Applications</a:t>
-            </a:r>
-          </a:p>
-        </p:txBody>
-      </p:sp>
-      <p:sp>
-        <p:nvSpPr>
-          <p:cNvPr id="3" name="Content Placeholder 2">
-            <a:extLst>
-              <a:ext uri="{FF2B5EF4-FFF2-40B4-BE49-F238E27FC236}">
-                <a16:creationId xmlns:a16="http://schemas.microsoft.com/office/drawing/2014/main" id="{9C9DB263-ABC0-4658-8768-615D0FF5C022}"/>
-              </a:ext>
-            </a:extLst>
-          </p:cNvPr>
-          <p:cNvSpPr>
-            <a:spLocks noGrp="1"/>
-          </p:cNvSpPr>
-          <p:nvPr>
-            <p:ph idx="1"/>
-          </p:nvPr>
-        </p:nvSpPr>
-        <p:spPr>
-          <a:xfrm>
-            <a:off x="1484310" y="1258867"/>
-            <a:ext cx="10018713" cy="4532334"/>
-          </a:xfrm>
-        </p:spPr>
-        <p:txBody>
-          <a:bodyPr>
-            <a:normAutofit fontScale="92500" lnSpcReduction="20000"/>
-          </a:bodyPr>
-          <a:lstStyle/>
-          <a:p>
-            <a:r>
-              <a:rPr lang="en-US" dirty="0"/>
-              <a:t>Compiled Languages</a:t>
-            </a:r>
-          </a:p>
-          <a:p>
-            <a:pPr lvl="1"/>
-            <a:r>
-              <a:rPr lang="en-US" dirty="0"/>
-              <a:t>Anything that has to be very efficient</a:t>
-            </a:r>
-          </a:p>
-          <a:p>
-            <a:pPr lvl="1"/>
-            <a:r>
-              <a:rPr lang="en-US" dirty="0"/>
-              <a:t>Scripting languages</a:t>
-            </a:r>
-          </a:p>
-          <a:p>
-            <a:pPr lvl="1"/>
-            <a:r>
-              <a:rPr lang="en-US" dirty="0"/>
-              <a:t>Robotics  operation, hardware communication, AI</a:t>
-            </a:r>
-          </a:p>
-          <a:p>
-            <a:r>
-              <a:rPr lang="en-US" dirty="0"/>
-              <a:t>Scripting Languages</a:t>
-            </a:r>
-          </a:p>
-          <a:p>
-            <a:pPr lvl="1"/>
-            <a:r>
-              <a:rPr lang="en-US" dirty="0"/>
-              <a:t>Many light, short tasks</a:t>
-            </a:r>
-          </a:p>
-          <a:p>
-            <a:pPr lvl="1"/>
-            <a:r>
-              <a:rPr lang="en-US" dirty="0"/>
-              <a:t>Digital automation</a:t>
-            </a:r>
-          </a:p>
-          <a:p>
-            <a:pPr lvl="1"/>
-            <a:r>
-              <a:rPr lang="en-US" dirty="0"/>
-              <a:t>Data visualization</a:t>
-            </a:r>
-          </a:p>
-          <a:p>
-            <a:r>
-              <a:rPr lang="en-US" dirty="0"/>
-              <a:t>Markup Languages</a:t>
-            </a:r>
-          </a:p>
-          <a:p>
-            <a:pPr lvl="1"/>
-            <a:r>
-              <a:rPr lang="en-US" dirty="0"/>
-              <a:t>Writing papers</a:t>
-            </a:r>
-          </a:p>
-          <a:p>
-            <a:pPr lvl="1"/>
-            <a:r>
-              <a:rPr lang="en-US" dirty="0"/>
-              <a:t>Web design</a:t>
-            </a:r>
-          </a:p>
-          <a:p>
-            <a:pPr lvl="1"/>
-            <a:r>
-              <a:rPr lang="en-US" dirty="0"/>
-              <a:t>Document design</a:t>
-            </a:r>
-          </a:p>
-        </p:txBody>
-      </p:sp>
-    </p:spTree>
-    <p:extLst>
-      <p:ext uri="{BB962C8B-B14F-4D97-AF65-F5344CB8AC3E}">
-        <p14:creationId xmlns:p14="http://schemas.microsoft.com/office/powerpoint/2010/main" val="3396310997"/>
-      </p:ext>
-    </p:extLst>
-  </p:cSld>
-  <p:clrMapOvr>
-    <a:masterClrMapping/>
-  </p:clrMapOvr>
-</p:sld>
-</file>
-
 <file path=ppt/slides/slide7.xml><?xml version="1.0" encoding="utf-8"?>
 <p:sld xmlns:a="http://schemas.openxmlformats.org/drawingml/2006/main" xmlns:r="http://schemas.openxmlformats.org/officeDocument/2006/relationships" xmlns:p="http://schemas.openxmlformats.org/presentationml/2006/main">
   <p:cSld>
@@ -7718,6 +7640,179 @@
           <p:cNvPr id="2" name="Title 1">
             <a:extLst>
               <a:ext uri="{FF2B5EF4-FFF2-40B4-BE49-F238E27FC236}">
+                <a16:creationId xmlns:a16="http://schemas.microsoft.com/office/drawing/2014/main" id="{6A5B8EFF-7136-46B9-8CC0-E9833C09F2D3}"/>
+              </a:ext>
+            </a:extLst>
+          </p:cNvPr>
+          <p:cNvSpPr>
+            <a:spLocks noGrp="1"/>
+          </p:cNvSpPr>
+          <p:nvPr>
+            <p:ph type="title"/>
+          </p:nvPr>
+        </p:nvSpPr>
+        <p:spPr>
+          <a:xfrm>
+            <a:off x="1484310" y="-291230"/>
+            <a:ext cx="10018713" cy="1752599"/>
+          </a:xfrm>
+        </p:spPr>
+        <p:txBody>
+          <a:bodyPr/>
+          <a:lstStyle/>
+          <a:p>
+            <a:r>
+              <a:rPr lang="en-US" dirty="0"/>
+              <a:t>Applications</a:t>
+            </a:r>
+          </a:p>
+        </p:txBody>
+      </p:sp>
+      <p:sp>
+        <p:nvSpPr>
+          <p:cNvPr id="3" name="Content Placeholder 2">
+            <a:extLst>
+              <a:ext uri="{FF2B5EF4-FFF2-40B4-BE49-F238E27FC236}">
+                <a16:creationId xmlns:a16="http://schemas.microsoft.com/office/drawing/2014/main" id="{9C9DB263-ABC0-4658-8768-615D0FF5C022}"/>
+              </a:ext>
+            </a:extLst>
+          </p:cNvPr>
+          <p:cNvSpPr>
+            <a:spLocks noGrp="1"/>
+          </p:cNvSpPr>
+          <p:nvPr>
+            <p:ph idx="1"/>
+          </p:nvPr>
+        </p:nvSpPr>
+        <p:spPr>
+          <a:xfrm>
+            <a:off x="1484310" y="1258867"/>
+            <a:ext cx="10018713" cy="4532334"/>
+          </a:xfrm>
+        </p:spPr>
+        <p:txBody>
+          <a:bodyPr>
+            <a:normAutofit fontScale="92500" lnSpcReduction="20000"/>
+          </a:bodyPr>
+          <a:lstStyle/>
+          <a:p>
+            <a:r>
+              <a:rPr lang="en-US" dirty="0"/>
+              <a:t>Compiled Languages</a:t>
+            </a:r>
+          </a:p>
+          <a:p>
+            <a:pPr lvl="1"/>
+            <a:r>
+              <a:rPr lang="en-US" dirty="0"/>
+              <a:t>Anything that has to be very efficient</a:t>
+            </a:r>
+          </a:p>
+          <a:p>
+            <a:pPr lvl="1"/>
+            <a:r>
+              <a:rPr lang="en-US" dirty="0"/>
+              <a:t>Scripting languages</a:t>
+            </a:r>
+          </a:p>
+          <a:p>
+            <a:pPr lvl="1"/>
+            <a:r>
+              <a:rPr lang="en-US" dirty="0"/>
+              <a:t>Robotics  operation, hardware communication, AI</a:t>
+            </a:r>
+          </a:p>
+          <a:p>
+            <a:r>
+              <a:rPr lang="en-US" dirty="0"/>
+              <a:t>Scripting Languages</a:t>
+            </a:r>
+          </a:p>
+          <a:p>
+            <a:pPr lvl="1"/>
+            <a:r>
+              <a:rPr lang="en-US" dirty="0"/>
+              <a:t>Many light, short tasks</a:t>
+            </a:r>
+          </a:p>
+          <a:p>
+            <a:pPr lvl="1"/>
+            <a:r>
+              <a:rPr lang="en-US" dirty="0"/>
+              <a:t>Digital automation</a:t>
+            </a:r>
+          </a:p>
+          <a:p>
+            <a:pPr lvl="1"/>
+            <a:r>
+              <a:rPr lang="en-US" dirty="0"/>
+              <a:t>Data visualization</a:t>
+            </a:r>
+          </a:p>
+          <a:p>
+            <a:r>
+              <a:rPr lang="en-US" dirty="0"/>
+              <a:t>Markup Languages</a:t>
+            </a:r>
+          </a:p>
+          <a:p>
+            <a:pPr lvl="1"/>
+            <a:r>
+              <a:rPr lang="en-US" dirty="0"/>
+              <a:t>Writing papers</a:t>
+            </a:r>
+          </a:p>
+          <a:p>
+            <a:pPr lvl="1"/>
+            <a:r>
+              <a:rPr lang="en-US" dirty="0"/>
+              <a:t>Web design</a:t>
+            </a:r>
+          </a:p>
+          <a:p>
+            <a:pPr lvl="1"/>
+            <a:r>
+              <a:rPr lang="en-US" dirty="0"/>
+              <a:t>Document design</a:t>
+            </a:r>
+          </a:p>
+        </p:txBody>
+      </p:sp>
+    </p:spTree>
+    <p:extLst>
+      <p:ext uri="{BB962C8B-B14F-4D97-AF65-F5344CB8AC3E}">
+        <p14:creationId xmlns:p14="http://schemas.microsoft.com/office/powerpoint/2010/main" val="3396310997"/>
+      </p:ext>
+    </p:extLst>
+  </p:cSld>
+  <p:clrMapOvr>
+    <a:masterClrMapping/>
+  </p:clrMapOvr>
+</p:sld>
+</file>
+
+<file path=ppt/slides/slide8.xml><?xml version="1.0" encoding="utf-8"?>
+<p:sld xmlns:a="http://schemas.openxmlformats.org/drawingml/2006/main" xmlns:r="http://schemas.openxmlformats.org/officeDocument/2006/relationships" xmlns:p="http://schemas.openxmlformats.org/presentationml/2006/main">
+  <p:cSld>
+    <p:spTree>
+      <p:nvGrpSpPr>
+        <p:cNvPr id="1" name=""/>
+        <p:cNvGrpSpPr/>
+        <p:nvPr/>
+      </p:nvGrpSpPr>
+      <p:grpSpPr>
+        <a:xfrm>
+          <a:off x="0" y="0"/>
+          <a:ext cx="0" cy="0"/>
+          <a:chOff x="0" y="0"/>
+          <a:chExt cx="0" cy="0"/>
+        </a:xfrm>
+      </p:grpSpPr>
+      <p:sp>
+        <p:nvSpPr>
+          <p:cNvPr id="2" name="Title 1">
+            <a:extLst>
+              <a:ext uri="{FF2B5EF4-FFF2-40B4-BE49-F238E27FC236}">
                 <a16:creationId xmlns:a16="http://schemas.microsoft.com/office/drawing/2014/main" id="{53963623-3711-4A8E-AA0D-9D061CACA036}"/>
               </a:ext>
             </a:extLst>
@@ -7788,7 +7883,7 @@
 </p:sld>
 </file>
 
-<file path=ppt/slides/slide8.xml><?xml version="1.0" encoding="utf-8"?>
+<file path=ppt/slides/slide9.xml><?xml version="1.0" encoding="utf-8"?>
 <p:sld xmlns:a="http://schemas.openxmlformats.org/drawingml/2006/main" xmlns:r="http://schemas.openxmlformats.org/officeDocument/2006/relationships" xmlns:p="http://schemas.openxmlformats.org/presentationml/2006/main">
   <p:cSld>
     <p:spTree>
